--- a/CPSC-24700/Presentations/session-27.pptx
+++ b/CPSC-24700/Presentations/session-27.pptx
@@ -5,17 +5,16 @@
     <p:sldMasterId id="2147483648" r:id="rId1"/>
   </p:sldMasterIdLst>
   <p:notesMasterIdLst>
-    <p:notesMasterId r:id="rId10"/>
+    <p:notesMasterId r:id="rId9"/>
   </p:notesMasterIdLst>
   <p:sldIdLst>
     <p:sldId id="257" r:id="rId2"/>
-    <p:sldId id="302" r:id="rId3"/>
-    <p:sldId id="291" r:id="rId4"/>
-    <p:sldId id="300" r:id="rId5"/>
-    <p:sldId id="301" r:id="rId6"/>
-    <p:sldId id="303" r:id="rId7"/>
-    <p:sldId id="299" r:id="rId8"/>
-    <p:sldId id="263" r:id="rId9"/>
+    <p:sldId id="291" r:id="rId3"/>
+    <p:sldId id="300" r:id="rId4"/>
+    <p:sldId id="301" r:id="rId5"/>
+    <p:sldId id="303" r:id="rId6"/>
+    <p:sldId id="299" r:id="rId7"/>
+    <p:sldId id="263" r:id="rId8"/>
   </p:sldIdLst>
   <p:sldSz cx="12192000" cy="6858000"/>
   <p:notesSz cx="7315200" cy="9601200"/>
@@ -120,6 +119,10 @@
     </p:ext>
   </p:extLst>
 </p:presentation>
+</file>
+
+<file path=ppt/revisionInfo.xml><?xml version="1.0" encoding="utf-8"?>
+<p1510:revInfo xmlns:a="http://schemas.openxmlformats.org/drawingml/2006/main" xmlns:r="http://schemas.openxmlformats.org/officeDocument/2006/relationships" xmlns:p1510="http://schemas.microsoft.com/office/powerpoint/2015/10/main"/>
 </file>
 
 <file path=ppt/notesMasters/notesMaster1.xml><?xml version="1.0" encoding="utf-8"?>
@@ -599,6 +602,14 @@
           <a:bodyPr/>
           <a:lstStyle/>
           <a:p>
+            <a:r>
+              <a:rPr lang="en-US" sz="1000" dirty="0"/>
+              <a:t>Possible Topic: </a:t>
+            </a:r>
+            <a:r>
+              <a:rPr lang="en-US" sz="1000" dirty="0" err="1"/>
+              <a:t>WebAssembly</a:t>
+            </a:r>
             <a:endParaRPr lang="en-US" sz="1000" dirty="0"/>
           </a:p>
         </p:txBody>
@@ -618,18 +629,18 @@
           <a:bodyPr/>
           <a:lstStyle/>
           <a:p>
-            <a:fld id="{5394DE12-7B9B-46AA-AC19-C30A49928B9B}" type="slidenum">
+            <a:fld id="{23B99BB9-C7F6-43B3-A122-46088ABB36FB}" type="slidenum">
               <a:rPr lang="en-US" smtClean="0"/>
               <a:t>2</a:t>
             </a:fld>
-            <a:endParaRPr lang="en-US" dirty="0"/>
+            <a:endParaRPr lang="en-US"/>
           </a:p>
         </p:txBody>
       </p:sp>
     </p:spTree>
     <p:extLst>
       <p:ext uri="{BB962C8B-B14F-4D97-AF65-F5344CB8AC3E}">
-        <p14:creationId xmlns:p14="http://schemas.microsoft.com/office/powerpoint/2010/main" val="2811051153"/>
+        <p14:creationId xmlns:p14="http://schemas.microsoft.com/office/powerpoint/2010/main" val="3490548864"/>
       </p:ext>
     </p:extLst>
   </p:cSld>
@@ -683,14 +694,6 @@
           <a:bodyPr/>
           <a:lstStyle/>
           <a:p>
-            <a:r>
-              <a:rPr lang="en-US" sz="1000" dirty="0"/>
-              <a:t>Possible Topic: </a:t>
-            </a:r>
-            <a:r>
-              <a:rPr lang="en-US" sz="1000" dirty="0" err="1"/>
-              <a:t>WebAssembly</a:t>
-            </a:r>
             <a:endParaRPr lang="en-US" sz="1000" dirty="0"/>
           </a:p>
         </p:txBody>
@@ -710,18 +713,18 @@
           <a:bodyPr/>
           <a:lstStyle/>
           <a:p>
-            <a:fld id="{23B99BB9-C7F6-43B3-A122-46088ABB36FB}" type="slidenum">
+            <a:fld id="{5394DE12-7B9B-46AA-AC19-C30A49928B9B}" type="slidenum">
               <a:rPr lang="en-US" smtClean="0"/>
               <a:t>3</a:t>
             </a:fld>
-            <a:endParaRPr lang="en-US"/>
+            <a:endParaRPr lang="en-US" dirty="0"/>
           </a:p>
         </p:txBody>
       </p:sp>
     </p:spTree>
     <p:extLst>
       <p:ext uri="{BB962C8B-B14F-4D97-AF65-F5344CB8AC3E}">
-        <p14:creationId xmlns:p14="http://schemas.microsoft.com/office/powerpoint/2010/main" val="3490548864"/>
+        <p14:creationId xmlns:p14="http://schemas.microsoft.com/office/powerpoint/2010/main" val="1150630978"/>
       </p:ext>
     </p:extLst>
   </p:cSld>
@@ -794,18 +797,18 @@
           <a:bodyPr/>
           <a:lstStyle/>
           <a:p>
-            <a:fld id="{5394DE12-7B9B-46AA-AC19-C30A49928B9B}" type="slidenum">
+            <a:fld id="{23B99BB9-C7F6-43B3-A122-46088ABB36FB}" type="slidenum">
               <a:rPr lang="en-US" smtClean="0"/>
               <a:t>4</a:t>
             </a:fld>
-            <a:endParaRPr lang="en-US" dirty="0"/>
+            <a:endParaRPr lang="en-US"/>
           </a:p>
         </p:txBody>
       </p:sp>
     </p:spTree>
     <p:extLst>
       <p:ext uri="{BB962C8B-B14F-4D97-AF65-F5344CB8AC3E}">
-        <p14:creationId xmlns:p14="http://schemas.microsoft.com/office/powerpoint/2010/main" val="1150630978"/>
+        <p14:creationId xmlns:p14="http://schemas.microsoft.com/office/powerpoint/2010/main" val="1809836636"/>
       </p:ext>
     </p:extLst>
   </p:cSld>
@@ -889,7 +892,7 @@
     </p:spTree>
     <p:extLst>
       <p:ext uri="{BB962C8B-B14F-4D97-AF65-F5344CB8AC3E}">
-        <p14:creationId xmlns:p14="http://schemas.microsoft.com/office/powerpoint/2010/main" val="1809836636"/>
+        <p14:creationId xmlns:p14="http://schemas.microsoft.com/office/powerpoint/2010/main" val="3237811527"/>
       </p:ext>
     </p:extLst>
   </p:cSld>
@@ -943,7 +946,7 @@
           <a:bodyPr/>
           <a:lstStyle/>
           <a:p>
-            <a:endParaRPr lang="en-US" sz="1000" dirty="0"/>
+            <a:endParaRPr lang="en-US" dirty="0"/>
           </a:p>
         </p:txBody>
       </p:sp>
@@ -962,18 +965,18 @@
           <a:bodyPr/>
           <a:lstStyle/>
           <a:p>
-            <a:fld id="{23B99BB9-C7F6-43B3-A122-46088ABB36FB}" type="slidenum">
+            <a:fld id="{5394DE12-7B9B-46AA-AC19-C30A49928B9B}" type="slidenum">
               <a:rPr lang="en-US" smtClean="0"/>
               <a:t>6</a:t>
             </a:fld>
-            <a:endParaRPr lang="en-US"/>
+            <a:endParaRPr lang="en-US" dirty="0"/>
           </a:p>
         </p:txBody>
       </p:sp>
     </p:spTree>
     <p:extLst>
       <p:ext uri="{BB962C8B-B14F-4D97-AF65-F5344CB8AC3E}">
-        <p14:creationId xmlns:p14="http://schemas.microsoft.com/office/powerpoint/2010/main" val="3237811527"/>
+        <p14:creationId xmlns:p14="http://schemas.microsoft.com/office/powerpoint/2010/main" val="2032946705"/>
       </p:ext>
     </p:extLst>
   </p:cSld>
@@ -1049,90 +1052,6 @@
             <a:fld id="{5394DE12-7B9B-46AA-AC19-C30A49928B9B}" type="slidenum">
               <a:rPr lang="en-US" smtClean="0"/>
               <a:t>7</a:t>
-            </a:fld>
-            <a:endParaRPr lang="en-US" dirty="0"/>
-          </a:p>
-        </p:txBody>
-      </p:sp>
-    </p:spTree>
-    <p:extLst>
-      <p:ext uri="{BB962C8B-B14F-4D97-AF65-F5344CB8AC3E}">
-        <p14:creationId xmlns:p14="http://schemas.microsoft.com/office/powerpoint/2010/main" val="2032946705"/>
-      </p:ext>
-    </p:extLst>
-  </p:cSld>
-  <p:clrMapOvr>
-    <a:masterClrMapping/>
-  </p:clrMapOvr>
-</p:notes>
-</file>
-
-<file path=ppt/notesSlides/notesSlide8.xml><?xml version="1.0" encoding="utf-8"?>
-<p:notes xmlns:a="http://schemas.openxmlformats.org/drawingml/2006/main" xmlns:r="http://schemas.openxmlformats.org/officeDocument/2006/relationships" xmlns:p="http://schemas.openxmlformats.org/presentationml/2006/main">
-  <p:cSld>
-    <p:spTree>
-      <p:nvGrpSpPr>
-        <p:cNvPr id="1" name=""/>
-        <p:cNvGrpSpPr/>
-        <p:nvPr/>
-      </p:nvGrpSpPr>
-      <p:grpSpPr>
-        <a:xfrm>
-          <a:off x="0" y="0"/>
-          <a:ext cx="0" cy="0"/>
-          <a:chOff x="0" y="0"/>
-          <a:chExt cx="0" cy="0"/>
-        </a:xfrm>
-      </p:grpSpPr>
-      <p:sp>
-        <p:nvSpPr>
-          <p:cNvPr id="2" name="Slide Image Placeholder 1"/>
-          <p:cNvSpPr>
-            <a:spLocks noGrp="1" noRot="1" noChangeAspect="1"/>
-          </p:cNvSpPr>
-          <p:nvPr>
-            <p:ph type="sldImg"/>
-          </p:nvPr>
-        </p:nvSpPr>
-        <p:spPr/>
-      </p:sp>
-      <p:sp>
-        <p:nvSpPr>
-          <p:cNvPr id="3" name="Notes Placeholder 2"/>
-          <p:cNvSpPr>
-            <a:spLocks noGrp="1"/>
-          </p:cNvSpPr>
-          <p:nvPr>
-            <p:ph type="body" idx="1"/>
-          </p:nvPr>
-        </p:nvSpPr>
-        <p:spPr/>
-        <p:txBody>
-          <a:bodyPr/>
-          <a:lstStyle/>
-          <a:p>
-            <a:endParaRPr lang="en-US" dirty="0"/>
-          </a:p>
-        </p:txBody>
-      </p:sp>
-      <p:sp>
-        <p:nvSpPr>
-          <p:cNvPr id="4" name="Slide Number Placeholder 3"/>
-          <p:cNvSpPr>
-            <a:spLocks noGrp="1"/>
-          </p:cNvSpPr>
-          <p:nvPr>
-            <p:ph type="sldNum" sz="quarter" idx="10"/>
-          </p:nvPr>
-        </p:nvSpPr>
-        <p:spPr/>
-        <p:txBody>
-          <a:bodyPr/>
-          <a:lstStyle/>
-          <a:p>
-            <a:fld id="{5394DE12-7B9B-46AA-AC19-C30A49928B9B}" type="slidenum">
-              <a:rPr lang="en-US" smtClean="0"/>
-              <a:t>8</a:t>
             </a:fld>
             <a:endParaRPr lang="en-US" dirty="0"/>
           </a:p>
@@ -4608,18 +4527,24 @@
       </p:grpSpPr>
       <p:sp>
         <p:nvSpPr>
-          <p:cNvPr id="2" name="Title 1"/>
-          <p:cNvSpPr>
-            <a:spLocks noGrp="1"/>
-          </p:cNvSpPr>
-          <p:nvPr>
-            <p:ph type="ctrTitle"/>
+          <p:cNvPr id="4" name="Title 1">
+            <a:extLst>
+              <a:ext uri="{FF2B5EF4-FFF2-40B4-BE49-F238E27FC236}">
+                <a16:creationId xmlns:a16="http://schemas.microsoft.com/office/drawing/2014/main" id="{527CE47F-3EF6-48CA-9239-E8B6E5C6B41A}"/>
+              </a:ext>
+            </a:extLst>
+          </p:cNvPr>
+          <p:cNvSpPr>
+            <a:spLocks noGrp="1"/>
+          </p:cNvSpPr>
+          <p:nvPr>
+            <p:ph type="title"/>
           </p:nvPr>
         </p:nvSpPr>
         <p:spPr>
           <a:xfrm>
-            <a:off x="1524000" y="1122362"/>
-            <a:ext cx="9144000" cy="2904029"/>
+            <a:off x="838200" y="365125"/>
+            <a:ext cx="10515600" cy="1325563"/>
           </a:xfrm>
         </p:spPr>
         <p:txBody>
@@ -4629,16 +4554,87 @@
           <a:lstStyle/>
           <a:p>
             <a:r>
-              <a:rPr lang="en-US" sz="4800" dirty="0"/>
-              <a:t>Google Maps Demo</a:t>
-            </a:r>
+              <a:rPr lang="en-US" sz="3600" dirty="0"/>
+              <a:t>Assignment From Last Class</a:t>
+            </a:r>
+          </a:p>
+        </p:txBody>
+      </p:sp>
+      <p:sp>
+        <p:nvSpPr>
+          <p:cNvPr id="5" name="Content Placeholder 2">
+            <a:extLst>
+              <a:ext uri="{FF2B5EF4-FFF2-40B4-BE49-F238E27FC236}">
+                <a16:creationId xmlns:a16="http://schemas.microsoft.com/office/drawing/2014/main" id="{E8F0EA9A-219C-40FD-AE36-784EE1B77D56}"/>
+              </a:ext>
+            </a:extLst>
+          </p:cNvPr>
+          <p:cNvSpPr>
+            <a:spLocks noGrp="1"/>
+          </p:cNvSpPr>
+          <p:nvPr>
+            <p:ph idx="1"/>
+          </p:nvPr>
+        </p:nvSpPr>
+        <p:spPr>
+          <a:xfrm>
+            <a:off x="838198" y="1525772"/>
+            <a:ext cx="10515601" cy="4651191"/>
+          </a:xfrm>
+        </p:spPr>
+        <p:txBody>
+          <a:bodyPr>
+            <a:normAutofit/>
+          </a:bodyPr>
+          <a:lstStyle/>
+          <a:p>
+            <a:pPr marL="0" indent="0">
+              <a:spcBef>
+                <a:spcPts val="4800"/>
+              </a:spcBef>
+              <a:buNone/>
+            </a:pPr>
+            <a:r>
+              <a:rPr lang="en-US" sz="2000" u="sng" dirty="0"/>
+              <a:t>Assignment:</a:t>
+            </a:r>
+          </a:p>
+          <a:p>
+            <a:r>
+              <a:rPr lang="en-US" sz="2000" dirty="0"/>
+              <a:t>Project 4: Contact Manager (client)</a:t>
+            </a:r>
+          </a:p>
+          <a:p>
+            <a:r>
+              <a:rPr lang="en-US" sz="2000" dirty="0"/>
+              <a:t>Complete Ch.10.3 through 10.4 on Ajax</a:t>
+            </a:r>
+          </a:p>
+          <a:p>
+            <a:r>
+              <a:rPr lang="en-US" sz="2000" dirty="0"/>
+              <a:t>Review associated AJAX slides</a:t>
+            </a:r>
+          </a:p>
+          <a:p>
+            <a:pPr marL="0" indent="0">
+              <a:buNone/>
+            </a:pPr>
+            <a:endParaRPr lang="en-US" sz="2000" dirty="0"/>
+          </a:p>
+          <a:p>
+            <a:pPr marL="0" indent="0">
+              <a:buNone/>
+            </a:pPr>
+            <a:endParaRPr lang="en-US" sz="2000" dirty="0"/>
           </a:p>
         </p:txBody>
       </p:sp>
     </p:spTree>
     <p:extLst>
       <p:ext uri="{BB962C8B-B14F-4D97-AF65-F5344CB8AC3E}">
-        <p14:creationId xmlns:p14="http://schemas.microsoft.com/office/powerpoint/2010/main" val="1843853750"/>
+        <p14:creationId xmlns:p14="http://schemas.microsoft.com/office/powerpoint/2010/main" val="1478976984"/>
       </p:ext>
     </p:extLst>
   </p:cSld>
@@ -4667,24 +4663,18 @@
       </p:grpSpPr>
       <p:sp>
         <p:nvSpPr>
-          <p:cNvPr id="4" name="Title 1">
-            <a:extLst>
-              <a:ext uri="{FF2B5EF4-FFF2-40B4-BE49-F238E27FC236}">
-                <a16:creationId xmlns:a16="http://schemas.microsoft.com/office/drawing/2014/main" id="{527CE47F-3EF6-48CA-9239-E8B6E5C6B41A}"/>
-              </a:ext>
-            </a:extLst>
-          </p:cNvPr>
-          <p:cNvSpPr>
-            <a:spLocks noGrp="1"/>
-          </p:cNvSpPr>
-          <p:nvPr>
-            <p:ph type="title"/>
+          <p:cNvPr id="2" name="Title 1"/>
+          <p:cNvSpPr>
+            <a:spLocks noGrp="1"/>
+          </p:cNvSpPr>
+          <p:nvPr>
+            <p:ph type="ctrTitle"/>
           </p:nvPr>
         </p:nvSpPr>
         <p:spPr>
           <a:xfrm>
-            <a:off x="838200" y="365125"/>
-            <a:ext cx="10515600" cy="1325563"/>
+            <a:off x="1524000" y="1122362"/>
+            <a:ext cx="9144000" cy="2904029"/>
           </a:xfrm>
         </p:spPr>
         <p:txBody>
@@ -4694,87 +4684,16 @@
           <a:lstStyle/>
           <a:p>
             <a:r>
-              <a:rPr lang="en-US" sz="3600" dirty="0"/>
-              <a:t>Assignment From Last Class</a:t>
-            </a:r>
-          </a:p>
-        </p:txBody>
-      </p:sp>
-      <p:sp>
-        <p:nvSpPr>
-          <p:cNvPr id="5" name="Content Placeholder 2">
-            <a:extLst>
-              <a:ext uri="{FF2B5EF4-FFF2-40B4-BE49-F238E27FC236}">
-                <a16:creationId xmlns:a16="http://schemas.microsoft.com/office/drawing/2014/main" id="{E8F0EA9A-219C-40FD-AE36-784EE1B77D56}"/>
-              </a:ext>
-            </a:extLst>
-          </p:cNvPr>
-          <p:cNvSpPr>
-            <a:spLocks noGrp="1"/>
-          </p:cNvSpPr>
-          <p:nvPr>
-            <p:ph idx="1"/>
-          </p:nvPr>
-        </p:nvSpPr>
-        <p:spPr>
-          <a:xfrm>
-            <a:off x="838198" y="1525772"/>
-            <a:ext cx="10515601" cy="4651191"/>
-          </a:xfrm>
-        </p:spPr>
-        <p:txBody>
-          <a:bodyPr>
-            <a:normAutofit/>
-          </a:bodyPr>
-          <a:lstStyle/>
-          <a:p>
-            <a:pPr marL="0" indent="0">
-              <a:spcBef>
-                <a:spcPts val="4800"/>
-              </a:spcBef>
-              <a:buNone/>
-            </a:pPr>
-            <a:r>
-              <a:rPr lang="en-US" sz="2000" u="sng" dirty="0"/>
-              <a:t>Assignment:</a:t>
-            </a:r>
-          </a:p>
-          <a:p>
-            <a:r>
-              <a:rPr lang="en-US" sz="2000" dirty="0"/>
-              <a:t>Project 4: Contact Manager (client)</a:t>
-            </a:r>
-          </a:p>
-          <a:p>
-            <a:r>
-              <a:rPr lang="en-US" sz="2000" dirty="0"/>
-              <a:t>Complete Ch.10.3 through 10.4 on Ajax</a:t>
-            </a:r>
-          </a:p>
-          <a:p>
-            <a:r>
-              <a:rPr lang="en-US" sz="2000" dirty="0"/>
-              <a:t>Review associated AJAX slides</a:t>
-            </a:r>
-          </a:p>
-          <a:p>
-            <a:pPr marL="0" indent="0">
-              <a:buNone/>
-            </a:pPr>
-            <a:endParaRPr lang="en-US" sz="2000" dirty="0"/>
-          </a:p>
-          <a:p>
-            <a:pPr marL="0" indent="0">
-              <a:buNone/>
-            </a:pPr>
-            <a:endParaRPr lang="en-US" sz="2000" dirty="0"/>
+              <a:rPr lang="en-US" sz="4800" dirty="0"/>
+              <a:t>AJAX</a:t>
+            </a:r>
           </a:p>
         </p:txBody>
       </p:sp>
     </p:spTree>
     <p:extLst>
       <p:ext uri="{BB962C8B-B14F-4D97-AF65-F5344CB8AC3E}">
-        <p14:creationId xmlns:p14="http://schemas.microsoft.com/office/powerpoint/2010/main" val="1478976984"/>
+        <p14:creationId xmlns:p14="http://schemas.microsoft.com/office/powerpoint/2010/main" val="3613086193"/>
       </p:ext>
     </p:extLst>
   </p:cSld>
@@ -4803,18 +4722,24 @@
       </p:grpSpPr>
       <p:sp>
         <p:nvSpPr>
-          <p:cNvPr id="2" name="Title 1"/>
-          <p:cNvSpPr>
-            <a:spLocks noGrp="1"/>
-          </p:cNvSpPr>
-          <p:nvPr>
-            <p:ph type="ctrTitle"/>
+          <p:cNvPr id="4" name="Title 1">
+            <a:extLst>
+              <a:ext uri="{FF2B5EF4-FFF2-40B4-BE49-F238E27FC236}">
+                <a16:creationId xmlns:a16="http://schemas.microsoft.com/office/drawing/2014/main" id="{527CE47F-3EF6-48CA-9239-E8B6E5C6B41A}"/>
+              </a:ext>
+            </a:extLst>
+          </p:cNvPr>
+          <p:cNvSpPr>
+            <a:spLocks noGrp="1"/>
+          </p:cNvSpPr>
+          <p:nvPr>
+            <p:ph type="title"/>
           </p:nvPr>
         </p:nvSpPr>
         <p:spPr>
           <a:xfrm>
-            <a:off x="1524000" y="1122362"/>
-            <a:ext cx="9144000" cy="2904029"/>
+            <a:off x="838200" y="365125"/>
+            <a:ext cx="10515600" cy="1325563"/>
           </a:xfrm>
         </p:spPr>
         <p:txBody>
@@ -4824,8 +4749,68 @@
           <a:lstStyle/>
           <a:p>
             <a:r>
-              <a:rPr lang="en-US" sz="4800" dirty="0"/>
-              <a:t>AJAX</a:t>
+              <a:rPr lang="en-US" sz="3600" dirty="0"/>
+              <a:t>Todays Assignment</a:t>
+            </a:r>
+          </a:p>
+        </p:txBody>
+      </p:sp>
+      <p:sp>
+        <p:nvSpPr>
+          <p:cNvPr id="5" name="Content Placeholder 2">
+            <a:extLst>
+              <a:ext uri="{FF2B5EF4-FFF2-40B4-BE49-F238E27FC236}">
+                <a16:creationId xmlns:a16="http://schemas.microsoft.com/office/drawing/2014/main" id="{E8F0EA9A-219C-40FD-AE36-784EE1B77D56}"/>
+              </a:ext>
+            </a:extLst>
+          </p:cNvPr>
+          <p:cNvSpPr>
+            <a:spLocks noGrp="1"/>
+          </p:cNvSpPr>
+          <p:nvPr>
+            <p:ph idx="1"/>
+          </p:nvPr>
+        </p:nvSpPr>
+        <p:spPr>
+          <a:xfrm>
+            <a:off x="838198" y="1525772"/>
+            <a:ext cx="10515601" cy="4651191"/>
+          </a:xfrm>
+        </p:spPr>
+        <p:txBody>
+          <a:bodyPr>
+            <a:normAutofit/>
+          </a:bodyPr>
+          <a:lstStyle/>
+          <a:p>
+            <a:pPr marL="0" indent="0">
+              <a:spcBef>
+                <a:spcPts val="4800"/>
+              </a:spcBef>
+              <a:buNone/>
+            </a:pPr>
+            <a:r>
+              <a:rPr lang="en-US" sz="2000" u="sng" dirty="0"/>
+              <a:t>Assignment (before next class):</a:t>
+            </a:r>
+            <a:endParaRPr lang="en-US" sz="2000" dirty="0"/>
+          </a:p>
+          <a:p>
+            <a:r>
+              <a:rPr lang="en-US" sz="2000" dirty="0"/>
+              <a:t>Project 4: Contact Manager (client)</a:t>
+            </a:r>
+          </a:p>
+          <a:p>
+            <a:r>
+              <a:rPr lang="en-US" sz="2000" dirty="0"/>
+              <a:t>Complete Ch.10 on Ajax</a:t>
+            </a:r>
+          </a:p>
+          <a:p>
+            <a:r>
+              <a:rPr lang="en-US" sz="2000" dirty="0"/>
+              <a:t>Review associated AJAX slides</a:t>
             </a:r>
           </a:p>
         </p:txBody>
@@ -4833,7 +4818,7 @@
     </p:spTree>
     <p:extLst>
       <p:ext uri="{BB962C8B-B14F-4D97-AF65-F5344CB8AC3E}">
-        <p14:creationId xmlns:p14="http://schemas.microsoft.com/office/powerpoint/2010/main" val="3613086193"/>
+        <p14:creationId xmlns:p14="http://schemas.microsoft.com/office/powerpoint/2010/main" val="3819419734"/>
       </p:ext>
     </p:extLst>
   </p:cSld>
@@ -4890,7 +4875,7 @@
           <a:p>
             <a:r>
               <a:rPr lang="en-US" sz="3600" dirty="0"/>
-              <a:t>Todays Assignment</a:t>
+              <a:t>Alternate Project 4… or bonus addition to Project 4</a:t>
             </a:r>
           </a:p>
         </p:txBody>
@@ -4930,35 +4915,78 @@
               <a:buNone/>
             </a:pPr>
             <a:r>
-              <a:rPr lang="en-US" sz="2000" u="sng" dirty="0"/>
-              <a:t>Assignment (before next class):</a:t>
+              <a:rPr lang="en-US" sz="2000" dirty="0"/>
+              <a:t>Explore and implement a JavaScript and Web Service based method of finding the City and State associated with a given zip code using one of the following sources:</a:t>
+            </a:r>
+          </a:p>
+          <a:p>
+            <a:r>
+              <a:rPr lang="en-US" sz="2000" dirty="0"/>
+              <a:t>US Post Office </a:t>
+            </a:r>
+            <a:r>
+              <a:rPr lang="en-US" sz="2000" dirty="0">
+                <a:hlinkClick r:id="rId3"/>
+              </a:rPr>
+              <a:t>[link]</a:t>
             </a:r>
             <a:endParaRPr lang="en-US" sz="2000" dirty="0"/>
           </a:p>
           <a:p>
             <a:r>
               <a:rPr lang="en-US" sz="2000" dirty="0"/>
-              <a:t>Project 4: Contact Manager (client)</a:t>
-            </a:r>
+              <a:t>Google </a:t>
+            </a:r>
+            <a:r>
+              <a:rPr lang="en-US" sz="2000" dirty="0">
+                <a:hlinkClick r:id="rId4"/>
+              </a:rPr>
+              <a:t>[link]</a:t>
+            </a:r>
+            <a:endParaRPr lang="en-US" sz="2000" dirty="0"/>
           </a:p>
           <a:p>
             <a:r>
               <a:rPr lang="en-US" sz="2000" dirty="0"/>
-              <a:t>Complete Ch.10 on Ajax</a:t>
-            </a:r>
-          </a:p>
-          <a:p>
+              <a:t>An alternative source… please approve alternate sources with me ahead of time</a:t>
+            </a:r>
+          </a:p>
+          <a:p>
+            <a:endParaRPr lang="en-US" sz="2000" dirty="0"/>
+          </a:p>
+          <a:p>
+            <a:pPr marL="0" indent="0">
+              <a:buNone/>
+            </a:pPr>
             <a:r>
               <a:rPr lang="en-US" sz="2000" dirty="0"/>
-              <a:t>Review associated AJAX slides</a:t>
-            </a:r>
+              <a:t>Requirements:</a:t>
+            </a:r>
+          </a:p>
+          <a:p>
+            <a:r>
+              <a:rPr lang="en-US" sz="2000" dirty="0"/>
+              <a:t>Provide an implementation on your Azure Website</a:t>
+            </a:r>
+          </a:p>
+          <a:p>
+            <a:r>
+              <a:rPr lang="en-US" sz="2000" dirty="0"/>
+              <a:t>Provide developer type documentation with a minimal tutorial for your classmates to utilize when they implement the web service</a:t>
+            </a:r>
+          </a:p>
+          <a:p>
+            <a:pPr marL="0" indent="0">
+              <a:buNone/>
+            </a:pPr>
+            <a:endParaRPr lang="en-US" sz="2000" dirty="0"/>
           </a:p>
         </p:txBody>
       </p:sp>
     </p:spTree>
     <p:extLst>
       <p:ext uri="{BB962C8B-B14F-4D97-AF65-F5344CB8AC3E}">
-        <p14:creationId xmlns:p14="http://schemas.microsoft.com/office/powerpoint/2010/main" val="3819419734"/>
+        <p14:creationId xmlns:p14="http://schemas.microsoft.com/office/powerpoint/2010/main" val="3627091036"/>
       </p:ext>
     </p:extLst>
   </p:cSld>
@@ -4987,174 +5015,6 @@
       </p:grpSpPr>
       <p:sp>
         <p:nvSpPr>
-          <p:cNvPr id="4" name="Title 1">
-            <a:extLst>
-              <a:ext uri="{FF2B5EF4-FFF2-40B4-BE49-F238E27FC236}">
-                <a16:creationId xmlns:a16="http://schemas.microsoft.com/office/drawing/2014/main" id="{527CE47F-3EF6-48CA-9239-E8B6E5C6B41A}"/>
-              </a:ext>
-            </a:extLst>
-          </p:cNvPr>
-          <p:cNvSpPr>
-            <a:spLocks noGrp="1"/>
-          </p:cNvSpPr>
-          <p:nvPr>
-            <p:ph type="title"/>
-          </p:nvPr>
-        </p:nvSpPr>
-        <p:spPr>
-          <a:xfrm>
-            <a:off x="838200" y="365125"/>
-            <a:ext cx="10515600" cy="1325563"/>
-          </a:xfrm>
-        </p:spPr>
-        <p:txBody>
-          <a:bodyPr>
-            <a:normAutofit/>
-          </a:bodyPr>
-          <a:lstStyle/>
-          <a:p>
-            <a:r>
-              <a:rPr lang="en-US" sz="3600" dirty="0"/>
-              <a:t>Alternate Project 4… or bonus addition to Project 4</a:t>
-            </a:r>
-          </a:p>
-        </p:txBody>
-      </p:sp>
-      <p:sp>
-        <p:nvSpPr>
-          <p:cNvPr id="5" name="Content Placeholder 2">
-            <a:extLst>
-              <a:ext uri="{FF2B5EF4-FFF2-40B4-BE49-F238E27FC236}">
-                <a16:creationId xmlns:a16="http://schemas.microsoft.com/office/drawing/2014/main" id="{E8F0EA9A-219C-40FD-AE36-784EE1B77D56}"/>
-              </a:ext>
-            </a:extLst>
-          </p:cNvPr>
-          <p:cNvSpPr>
-            <a:spLocks noGrp="1"/>
-          </p:cNvSpPr>
-          <p:nvPr>
-            <p:ph idx="1"/>
-          </p:nvPr>
-        </p:nvSpPr>
-        <p:spPr>
-          <a:xfrm>
-            <a:off x="838198" y="1525772"/>
-            <a:ext cx="10515601" cy="4651191"/>
-          </a:xfrm>
-        </p:spPr>
-        <p:txBody>
-          <a:bodyPr>
-            <a:normAutofit/>
-          </a:bodyPr>
-          <a:lstStyle/>
-          <a:p>
-            <a:pPr marL="0" indent="0">
-              <a:spcBef>
-                <a:spcPts val="4800"/>
-              </a:spcBef>
-              <a:buNone/>
-            </a:pPr>
-            <a:r>
-              <a:rPr lang="en-US" sz="2000" dirty="0"/>
-              <a:t>Explore and implement a JavaScript and Web Service based method of finding the City and State associated with a given zip code using one of the following sources:</a:t>
-            </a:r>
-          </a:p>
-          <a:p>
-            <a:r>
-              <a:rPr lang="en-US" sz="2000" dirty="0"/>
-              <a:t>US Post Office </a:t>
-            </a:r>
-            <a:r>
-              <a:rPr lang="en-US" sz="2000" dirty="0">
-                <a:hlinkClick r:id="rId3"/>
-              </a:rPr>
-              <a:t>[link]</a:t>
-            </a:r>
-            <a:endParaRPr lang="en-US" sz="2000" dirty="0"/>
-          </a:p>
-          <a:p>
-            <a:r>
-              <a:rPr lang="en-US" sz="2000" dirty="0"/>
-              <a:t>Google </a:t>
-            </a:r>
-            <a:r>
-              <a:rPr lang="en-US" sz="2000" dirty="0">
-                <a:hlinkClick r:id="rId4"/>
-              </a:rPr>
-              <a:t>[link]</a:t>
-            </a:r>
-            <a:endParaRPr lang="en-US" sz="2000" dirty="0"/>
-          </a:p>
-          <a:p>
-            <a:r>
-              <a:rPr lang="en-US" sz="2000" dirty="0"/>
-              <a:t>An alternative source… please approve alternate sources with me ahead of time</a:t>
-            </a:r>
-          </a:p>
-          <a:p>
-            <a:endParaRPr lang="en-US" sz="2000" dirty="0"/>
-          </a:p>
-          <a:p>
-            <a:pPr marL="0" indent="0">
-              <a:buNone/>
-            </a:pPr>
-            <a:r>
-              <a:rPr lang="en-US" sz="2000" dirty="0"/>
-              <a:t>Requirements:</a:t>
-            </a:r>
-          </a:p>
-          <a:p>
-            <a:r>
-              <a:rPr lang="en-US" sz="2000" dirty="0"/>
-              <a:t>Provide an implementation on your Azure Website</a:t>
-            </a:r>
-          </a:p>
-          <a:p>
-            <a:r>
-              <a:rPr lang="en-US" sz="2000" dirty="0"/>
-              <a:t>Provide developer type documentation with a minimal tutorial for your classmates to utilize when they implement the web service</a:t>
-            </a:r>
-          </a:p>
-          <a:p>
-            <a:pPr marL="0" indent="0">
-              <a:buNone/>
-            </a:pPr>
-            <a:endParaRPr lang="en-US" sz="2000" dirty="0"/>
-          </a:p>
-        </p:txBody>
-      </p:sp>
-    </p:spTree>
-    <p:extLst>
-      <p:ext uri="{BB962C8B-B14F-4D97-AF65-F5344CB8AC3E}">
-        <p14:creationId xmlns:p14="http://schemas.microsoft.com/office/powerpoint/2010/main" val="3627091036"/>
-      </p:ext>
-    </p:extLst>
-  </p:cSld>
-  <p:clrMapOvr>
-    <a:masterClrMapping/>
-  </p:clrMapOvr>
-</p:sld>
-</file>
-
-<file path=ppt/slides/slide7.xml><?xml version="1.0" encoding="utf-8"?>
-<p:sld xmlns:a="http://schemas.openxmlformats.org/drawingml/2006/main" xmlns:r="http://schemas.openxmlformats.org/officeDocument/2006/relationships" xmlns:p="http://schemas.openxmlformats.org/presentationml/2006/main">
-  <p:cSld>
-    <p:spTree>
-      <p:nvGrpSpPr>
-        <p:cNvPr id="1" name=""/>
-        <p:cNvGrpSpPr/>
-        <p:nvPr/>
-      </p:nvGrpSpPr>
-      <p:grpSpPr>
-        <a:xfrm>
-          <a:off x="0" y="0"/>
-          <a:ext cx="0" cy="0"/>
-          <a:chOff x="0" y="0"/>
-          <a:chExt cx="0" cy="0"/>
-        </a:xfrm>
-      </p:grpSpPr>
-      <p:sp>
-        <p:nvSpPr>
           <p:cNvPr id="2" name="Title 1"/>
           <p:cNvSpPr>
             <a:spLocks noGrp="1"/>
@@ -5211,7 +5071,7 @@
 </p:sld>
 </file>
 
-<file path=ppt/slides/slide8.xml><?xml version="1.0" encoding="utf-8"?>
+<file path=ppt/slides/slide7.xml><?xml version="1.0" encoding="utf-8"?>
 <p:sld xmlns:a="http://schemas.openxmlformats.org/drawingml/2006/main" xmlns:r="http://schemas.openxmlformats.org/officeDocument/2006/relationships" xmlns:p="http://schemas.openxmlformats.org/presentationml/2006/main">
   <p:cSld>
     <p:bg>
